--- a/Sequence Diagram/sequencePost.pptx
+++ b/Sequence Diagram/sequencePost.pptx
@@ -106,6 +106,11 @@
       </a:defRPr>
     </a:lvl9pPr>
   </p:defaultTextStyle>
+  <p:extLst>
+    <p:ext uri="{EFAFB233-063F-42B5-8137-9DF3F51BA10A}">
+      <p15:sldGuideLst xmlns:p15="http://schemas.microsoft.com/office/powerpoint/2012/main"/>
+    </p:ext>
+  </p:extLst>
 </p:presentation>
 </file>
 
@@ -256,7 +261,7 @@
           <a:p>
             <a:fld id="{5D1CFDCF-EACD-40A0-89EF-3B7F22091C6C}" type="datetimeFigureOut">
               <a:rPr lang="en-US" smtClean="0"/>
-              <a:t>5/18/2025</a:t>
+              <a:t>5/20/2025</a:t>
             </a:fld>
             <a:endParaRPr lang="en-US"/>
           </a:p>
@@ -454,7 +459,7 @@
           <a:p>
             <a:fld id="{5D1CFDCF-EACD-40A0-89EF-3B7F22091C6C}" type="datetimeFigureOut">
               <a:rPr lang="en-US" smtClean="0"/>
-              <a:t>5/18/2025</a:t>
+              <a:t>5/20/2025</a:t>
             </a:fld>
             <a:endParaRPr lang="en-US"/>
           </a:p>
@@ -662,7 +667,7 @@
           <a:p>
             <a:fld id="{5D1CFDCF-EACD-40A0-89EF-3B7F22091C6C}" type="datetimeFigureOut">
               <a:rPr lang="en-US" smtClean="0"/>
-              <a:t>5/18/2025</a:t>
+              <a:t>5/20/2025</a:t>
             </a:fld>
             <a:endParaRPr lang="en-US"/>
           </a:p>
@@ -860,7 +865,7 @@
           <a:p>
             <a:fld id="{5D1CFDCF-EACD-40A0-89EF-3B7F22091C6C}" type="datetimeFigureOut">
               <a:rPr lang="en-US" smtClean="0"/>
-              <a:t>5/18/2025</a:t>
+              <a:t>5/20/2025</a:t>
             </a:fld>
             <a:endParaRPr lang="en-US"/>
           </a:p>
@@ -1135,7 +1140,7 @@
           <a:p>
             <a:fld id="{5D1CFDCF-EACD-40A0-89EF-3B7F22091C6C}" type="datetimeFigureOut">
               <a:rPr lang="en-US" smtClean="0"/>
-              <a:t>5/18/2025</a:t>
+              <a:t>5/20/2025</a:t>
             </a:fld>
             <a:endParaRPr lang="en-US"/>
           </a:p>
@@ -1400,7 +1405,7 @@
           <a:p>
             <a:fld id="{5D1CFDCF-EACD-40A0-89EF-3B7F22091C6C}" type="datetimeFigureOut">
               <a:rPr lang="en-US" smtClean="0"/>
-              <a:t>5/18/2025</a:t>
+              <a:t>5/20/2025</a:t>
             </a:fld>
             <a:endParaRPr lang="en-US"/>
           </a:p>
@@ -1812,7 +1817,7 @@
           <a:p>
             <a:fld id="{5D1CFDCF-EACD-40A0-89EF-3B7F22091C6C}" type="datetimeFigureOut">
               <a:rPr lang="en-US" smtClean="0"/>
-              <a:t>5/18/2025</a:t>
+              <a:t>5/20/2025</a:t>
             </a:fld>
             <a:endParaRPr lang="en-US"/>
           </a:p>
@@ -1953,7 +1958,7 @@
           <a:p>
             <a:fld id="{5D1CFDCF-EACD-40A0-89EF-3B7F22091C6C}" type="datetimeFigureOut">
               <a:rPr lang="en-US" smtClean="0"/>
-              <a:t>5/18/2025</a:t>
+              <a:t>5/20/2025</a:t>
             </a:fld>
             <a:endParaRPr lang="en-US"/>
           </a:p>
@@ -2066,7 +2071,7 @@
           <a:p>
             <a:fld id="{5D1CFDCF-EACD-40A0-89EF-3B7F22091C6C}" type="datetimeFigureOut">
               <a:rPr lang="en-US" smtClean="0"/>
-              <a:t>5/18/2025</a:t>
+              <a:t>5/20/2025</a:t>
             </a:fld>
             <a:endParaRPr lang="en-US"/>
           </a:p>
@@ -2377,7 +2382,7 @@
           <a:p>
             <a:fld id="{5D1CFDCF-EACD-40A0-89EF-3B7F22091C6C}" type="datetimeFigureOut">
               <a:rPr lang="en-US" smtClean="0"/>
-              <a:t>5/18/2025</a:t>
+              <a:t>5/20/2025</a:t>
             </a:fld>
             <a:endParaRPr lang="en-US"/>
           </a:p>
@@ -2665,7 +2670,7 @@
           <a:p>
             <a:fld id="{5D1CFDCF-EACD-40A0-89EF-3B7F22091C6C}" type="datetimeFigureOut">
               <a:rPr lang="en-US" smtClean="0"/>
-              <a:t>5/18/2025</a:t>
+              <a:t>5/20/2025</a:t>
             </a:fld>
             <a:endParaRPr lang="en-US"/>
           </a:p>
@@ -2906,7 +2911,7 @@
           <a:p>
             <a:fld id="{5D1CFDCF-EACD-40A0-89EF-3B7F22091C6C}" type="datetimeFigureOut">
               <a:rPr lang="en-US" smtClean="0"/>
-              <a:t>5/18/2025</a:t>
+              <a:t>5/20/2025</a:t>
             </a:fld>
             <a:endParaRPr lang="en-US"/>
           </a:p>
@@ -3338,9 +3343,9 @@
         <p:grpSpPr>
           <a:xfrm>
             <a:off x="0" y="4322878"/>
-            <a:ext cx="5924618" cy="1067554"/>
+            <a:ext cx="5940725" cy="1067554"/>
             <a:chOff x="80513" y="3010531"/>
-            <a:chExt cx="4420966" cy="1080753"/>
+            <a:chExt cx="4432985" cy="1080753"/>
           </a:xfrm>
         </p:grpSpPr>
         <p:grpSp>
@@ -3499,13 +3504,15 @@
                 </a:ext>
               </a:extLst>
             </p:cNvPr>
-            <p:cNvCxnSpPr/>
+            <p:cNvCxnSpPr>
+              <a:cxnSpLocks/>
+            </p:cNvCxnSpPr>
             <p:nvPr/>
           </p:nvCxnSpPr>
           <p:spPr>
             <a:xfrm>
               <a:off x="146050" y="3655469"/>
-              <a:ext cx="4324350" cy="0"/>
+              <a:ext cx="4367448" cy="0"/>
             </a:xfrm>
             <a:prstGeom prst="line">
               <a:avLst/>
@@ -5415,8 +5422,8 @@
         </p:nvSpPr>
         <p:spPr>
           <a:xfrm>
-            <a:off x="5396360" y="3283536"/>
-            <a:ext cx="165626" cy="2983901"/>
+            <a:off x="5418596" y="3283537"/>
+            <a:ext cx="143390" cy="2206372"/>
           </a:xfrm>
           <a:prstGeom prst="rect">
             <a:avLst/>
@@ -5477,7 +5484,7 @@
           <a:p>
             <a:r>
               <a:rPr lang="en-US" sz="1200" dirty="0"/>
-              <a:t>5.createNote(post)</a:t>
+              <a:t>5.getPost(post)</a:t>
             </a:r>
           </a:p>
         </p:txBody>
@@ -6039,8 +6046,8 @@
         </p:nvSpPr>
         <p:spPr>
           <a:xfrm>
-            <a:off x="6318007" y="4506689"/>
-            <a:ext cx="1514292" cy="276999"/>
+            <a:off x="6169925" y="4506688"/>
+            <a:ext cx="2133061" cy="276999"/>
           </a:xfrm>
           <a:prstGeom prst="rect">
             <a:avLst/>
@@ -6055,7 +6062,7 @@
           <a:p>
             <a:r>
               <a:rPr lang="en-US" sz="1200" dirty="0"/>
-              <a:t>7. </a:t>
+              <a:t>7.Create&amp; </a:t>
             </a:r>
             <a:r>
               <a:rPr lang="en-US" sz="1200" dirty="0" err="1"/>
@@ -6082,7 +6089,7 @@
         </p:nvGrpSpPr>
         <p:grpSpPr>
           <a:xfrm>
-            <a:off x="6974867" y="463004"/>
+            <a:off x="6773143" y="463004"/>
             <a:ext cx="1182490" cy="6306852"/>
             <a:chOff x="1904041" y="1177878"/>
             <a:chExt cx="1474901" cy="6336894"/>
@@ -6251,8 +6258,8 @@
         </p:nvCxnSpPr>
         <p:spPr>
           <a:xfrm flipH="1" flipV="1">
-            <a:off x="7492946" y="5784066"/>
-            <a:ext cx="2487672" cy="58147"/>
+            <a:off x="7251597" y="5771327"/>
+            <a:ext cx="2762372" cy="20182"/>
           </a:xfrm>
           <a:prstGeom prst="straightConnector1">
             <a:avLst/>
@@ -6290,8 +6297,8 @@
         </p:nvSpPr>
         <p:spPr>
           <a:xfrm>
-            <a:off x="7400223" y="5868032"/>
-            <a:ext cx="185446" cy="583576"/>
+            <a:off x="7215703" y="5856914"/>
+            <a:ext cx="184414" cy="706109"/>
           </a:xfrm>
           <a:prstGeom prst="rect">
             <a:avLst/>
@@ -6333,20 +6340,20 @@
           </p:cNvPr>
           <p:cNvCxnSpPr>
             <a:cxnSpLocks/>
-            <a:endCxn id="86" idx="1"/>
           </p:cNvCxnSpPr>
           <p:nvPr/>
         </p:nvCxnSpPr>
         <p:spPr>
-          <a:xfrm>
-            <a:off x="5616119" y="6147265"/>
-            <a:ext cx="1784104" cy="12555"/>
+          <a:xfrm flipV="1">
+            <a:off x="2305893" y="6123825"/>
+            <a:ext cx="4912932" cy="24684"/>
           </a:xfrm>
           <a:prstGeom prst="straightConnector1">
             <a:avLst/>
           </a:prstGeom>
           <a:ln>
-            <a:tailEnd type="triangle"/>
+            <a:headEnd type="arrow"/>
+            <a:tailEnd type="none"/>
           </a:ln>
         </p:spPr>
         <p:style>
@@ -6394,7 +6401,7 @@
           <a:p>
             <a:r>
               <a:rPr lang="en-US" sz="1200" dirty="0"/>
-              <a:t>9. </a:t>
+              <a:t>8. </a:t>
             </a:r>
             <a:r>
               <a:rPr lang="en-US" sz="1200" dirty="0" err="1"/>
@@ -6674,8 +6681,8 @@
         </p:nvCxnSpPr>
         <p:spPr>
           <a:xfrm>
-            <a:off x="7585669" y="6365009"/>
-            <a:ext cx="1036080" cy="29987"/>
+            <a:off x="7429854" y="6394996"/>
+            <a:ext cx="1191895" cy="0"/>
           </a:xfrm>
           <a:prstGeom prst="straightConnector1">
             <a:avLst/>
@@ -6713,7 +6720,7 @@
         </p:nvSpPr>
         <p:spPr>
           <a:xfrm>
-            <a:off x="7545840" y="6058070"/>
+            <a:off x="7484128" y="6065939"/>
             <a:ext cx="1514292" cy="276999"/>
           </a:xfrm>
           <a:prstGeom prst="rect">
@@ -6729,7 +6736,7 @@
           <a:p>
             <a:r>
               <a:rPr lang="en-US" sz="1200" dirty="0"/>
-              <a:t>9. walk(node)</a:t>
+              <a:t>9.2 walk(node)</a:t>
             </a:r>
           </a:p>
         </p:txBody>
@@ -6777,63 +6784,21 @@
           </a:p>
         </p:txBody>
       </p:sp>
-      <p:cxnSp>
-        <p:nvCxnSpPr>
-          <p:cNvPr id="99" name="Straight Arrow Connector 98">
-            <a:extLst>
-              <a:ext uri="{FF2B5EF4-FFF2-40B4-BE49-F238E27FC236}">
-                <a16:creationId xmlns:a16="http://schemas.microsoft.com/office/drawing/2014/main" id="{B692FB74-7C39-B730-F39F-6B34709BB027}"/>
-              </a:ext>
-            </a:extLst>
-          </p:cNvPr>
-          <p:cNvCxnSpPr>
-            <a:cxnSpLocks/>
-          </p:cNvCxnSpPr>
-          <p:nvPr/>
-        </p:nvCxnSpPr>
+      <p:sp>
+        <p:nvSpPr>
+          <p:cNvPr id="100" name="TextBox 99">
+            <a:extLst>
+              <a:ext uri="{FF2B5EF4-FFF2-40B4-BE49-F238E27FC236}">
+                <a16:creationId xmlns:a16="http://schemas.microsoft.com/office/drawing/2014/main" id="{C72BFC48-CC7F-49AE-10F0-1A132C431B1C}"/>
+              </a:ext>
+            </a:extLst>
+          </p:cNvPr>
+          <p:cNvSpPr txBox="1"/>
+          <p:nvPr/>
+        </p:nvSpPr>
         <p:spPr>
-          <a:xfrm flipH="1" flipV="1">
-            <a:off x="2361415" y="5917647"/>
-            <a:ext cx="3010112" cy="4115"/>
-          </a:xfrm>
-          <a:prstGeom prst="straightConnector1">
-            <a:avLst/>
-          </a:prstGeom>
-          <a:ln>
-            <a:prstDash val="sysDash"/>
-            <a:tailEnd type="triangle"/>
-          </a:ln>
-        </p:spPr>
-        <p:style>
-          <a:lnRef idx="2">
-            <a:schemeClr val="accent1"/>
-          </a:lnRef>
-          <a:fillRef idx="0">
-            <a:schemeClr val="accent1"/>
-          </a:fillRef>
-          <a:effectRef idx="1">
-            <a:schemeClr val="accent1"/>
-          </a:effectRef>
-          <a:fontRef idx="minor">
-            <a:schemeClr val="tx1"/>
-          </a:fontRef>
-        </p:style>
-      </p:cxnSp>
-      <p:sp>
-        <p:nvSpPr>
-          <p:cNvPr id="100" name="TextBox 99">
-            <a:extLst>
-              <a:ext uri="{FF2B5EF4-FFF2-40B4-BE49-F238E27FC236}">
-                <a16:creationId xmlns:a16="http://schemas.microsoft.com/office/drawing/2014/main" id="{C72BFC48-CC7F-49AE-10F0-1A132C431B1C}"/>
-              </a:ext>
-            </a:extLst>
-          </p:cNvPr>
-          <p:cNvSpPr txBox="1"/>
-          <p:nvPr/>
-        </p:nvSpPr>
-        <p:spPr>
-          <a:xfrm>
-            <a:off x="3668889" y="5608025"/>
+          <a:xfrm>
+            <a:off x="3709880" y="5809326"/>
             <a:ext cx="1483339" cy="276999"/>
           </a:xfrm>
           <a:prstGeom prst="rect">
@@ -6849,7 +6814,7 @@
           <a:p>
             <a:r>
               <a:rPr lang="en-US" sz="1200" dirty="0"/>
-              <a:t>5.1 </a:t>
+              <a:t>9.1 </a:t>
             </a:r>
             <a:r>
               <a:rPr lang="en-US" sz="1200" dirty="0" err="1"/>
@@ -6874,7 +6839,7 @@
         <p:spPr>
           <a:xfrm>
             <a:off x="2093077" y="3697386"/>
-            <a:ext cx="183275" cy="2134675"/>
+            <a:ext cx="196417" cy="2547844"/>
           </a:xfrm>
           <a:prstGeom prst="rect">
             <a:avLst/>
@@ -9451,7 +9416,7 @@
           <a:p>
             <a:r>
               <a:rPr lang="en-US" sz="1200" dirty="0"/>
-              <a:t>4.set&amp;Submit(post)</a:t>
+              <a:t>4.validate(post)</a:t>
             </a:r>
           </a:p>
         </p:txBody>
@@ -9934,7 +9899,7 @@
           <a:p>
             <a:r>
               <a:rPr lang="en-US" sz="1200" dirty="0"/>
-              <a:t>5.createNote(post)</a:t>
+              <a:t>5.getNode(post)</a:t>
             </a:r>
           </a:p>
         </p:txBody>
@@ -10747,9 +10712,9 @@
           <p:nvPr/>
         </p:nvCxnSpPr>
         <p:spPr>
-          <a:xfrm flipV="1">
-            <a:off x="7203319" y="5037459"/>
-            <a:ext cx="3991665" cy="81011"/>
+          <a:xfrm>
+            <a:off x="7203319" y="5118470"/>
+            <a:ext cx="4007395" cy="3366"/>
           </a:xfrm>
           <a:prstGeom prst="straightConnector1">
             <a:avLst/>
@@ -11407,7 +11372,7 @@
         </p:nvSpPr>
         <p:spPr>
           <a:xfrm>
-            <a:off x="5908595" y="3954971"/>
+            <a:off x="5990804" y="3961539"/>
             <a:ext cx="1514292" cy="276999"/>
           </a:xfrm>
           <a:prstGeom prst="rect">
@@ -12961,8 +12926,8 @@
         </p:nvSpPr>
         <p:spPr>
           <a:xfrm>
-            <a:off x="11155623" y="4200911"/>
-            <a:ext cx="86264" cy="63167"/>
+            <a:off x="11119791" y="4337843"/>
+            <a:ext cx="86264" cy="98426"/>
           </a:xfrm>
           <a:prstGeom prst="ellipse">
             <a:avLst/>
@@ -13451,14 +13416,14 @@
           </p:cNvPr>
           <p:cNvCxnSpPr>
             <a:cxnSpLocks/>
-            <a:endCxn id="31" idx="4"/>
+            <a:endCxn id="31" idx="2"/>
           </p:cNvCxnSpPr>
           <p:nvPr/>
         </p:nvCxnSpPr>
         <p:spPr>
-          <a:xfrm flipV="1">
-            <a:off x="6282535" y="4264078"/>
-            <a:ext cx="4916220" cy="66842"/>
+          <a:xfrm>
+            <a:off x="6432522" y="4371346"/>
+            <a:ext cx="4687269" cy="15710"/>
           </a:xfrm>
           <a:prstGeom prst="straightConnector1">
             <a:avLst/>
@@ -13534,7 +13499,7 @@
         <p:spPr>
           <a:xfrm>
             <a:off x="1085536" y="5104423"/>
-            <a:ext cx="7662793" cy="0"/>
+            <a:ext cx="7690620" cy="100183"/>
           </a:xfrm>
           <a:prstGeom prst="straightConnector1">
             <a:avLst/>
@@ -13997,7 +13962,7 @@
         </p:nvSpPr>
         <p:spPr>
           <a:xfrm>
-            <a:off x="9308417" y="3961574"/>
+            <a:off x="9159505" y="4064569"/>
             <a:ext cx="1286654" cy="261610"/>
           </a:xfrm>
           <a:prstGeom prst="rect">
